--- a/Week13/02 Pet Park - Create Maven Project.pptx
+++ b/Week13/02 Pet Park - Create Maven Project.pptx
@@ -9,12 +9,13 @@
     <p:sldId id="257" r:id="rId3"/>
     <p:sldId id="258" r:id="rId4"/>
     <p:sldId id="259" r:id="rId5"/>
-    <p:sldId id="261" r:id="rId6"/>
-    <p:sldId id="262" r:id="rId7"/>
-    <p:sldId id="263" r:id="rId8"/>
-    <p:sldId id="265" r:id="rId9"/>
-    <p:sldId id="264" r:id="rId10"/>
-    <p:sldId id="260" r:id="rId11"/>
+    <p:sldId id="266" r:id="rId6"/>
+    <p:sldId id="261" r:id="rId7"/>
+    <p:sldId id="262" r:id="rId8"/>
+    <p:sldId id="263" r:id="rId9"/>
+    <p:sldId id="265" r:id="rId10"/>
+    <p:sldId id="264" r:id="rId11"/>
+    <p:sldId id="260" r:id="rId12"/>
   </p:sldIdLst>
   <p:sldSz cx="12192000" cy="6858000"/>
   <p:notesSz cx="6858000" cy="9144000"/>
@@ -121,6 +122,74 @@
 </p:presentation>
 </file>
 
+<file path=ppt/changesInfos/changesInfo1.xml><?xml version="1.0" encoding="utf-8"?>
+<pc:chgInfo xmlns:a="http://schemas.openxmlformats.org/drawingml/2006/main" xmlns:r="http://schemas.openxmlformats.org/officeDocument/2006/relationships" xmlns:ac="http://schemas.microsoft.com/office/drawing/2013/main/command" xmlns:pc="http://schemas.microsoft.com/office/powerpoint/2013/main/command">
+  <pc:docChgLst>
+    <pc:chgData name="Charles Kiefriter" userId="a996b49251c4dfd2" providerId="LiveId" clId="{91D220E7-26F5-48D4-B540-11BBABC9233D}"/>
+    <pc:docChg chg="custSel addSld modSld sldOrd">
+      <pc:chgData name="Charles Kiefriter" userId="a996b49251c4dfd2" providerId="LiveId" clId="{91D220E7-26F5-48D4-B540-11BBABC9233D}" dt="2023-11-28T01:06:06.755" v="7" actId="26606"/>
+      <pc:docMkLst>
+        <pc:docMk/>
+      </pc:docMkLst>
+      <pc:sldChg chg="modSp mod">
+        <pc:chgData name="Charles Kiefriter" userId="a996b49251c4dfd2" providerId="LiveId" clId="{91D220E7-26F5-48D4-B540-11BBABC9233D}" dt="2023-11-28T00:58:13.904" v="2" actId="14100"/>
+        <pc:sldMkLst>
+          <pc:docMk/>
+          <pc:sldMk cId="3333207282" sldId="259"/>
+        </pc:sldMkLst>
+        <pc:spChg chg="mod">
+          <ac:chgData name="Charles Kiefriter" userId="a996b49251c4dfd2" providerId="LiveId" clId="{91D220E7-26F5-48D4-B540-11BBABC9233D}" dt="2023-11-28T00:58:13.904" v="2" actId="14100"/>
+          <ac:spMkLst>
+            <pc:docMk/>
+            <pc:sldMk cId="3333207282" sldId="259"/>
+            <ac:spMk id="3" creationId="{F0A1C09A-C342-2557-9116-BA6887457393}"/>
+          </ac:spMkLst>
+        </pc:spChg>
+      </pc:sldChg>
+      <pc:sldChg chg="addSp delSp modSp new mod ord setBg">
+        <pc:chgData name="Charles Kiefriter" userId="a996b49251c4dfd2" providerId="LiveId" clId="{91D220E7-26F5-48D4-B540-11BBABC9233D}" dt="2023-11-28T01:06:06.755" v="7" actId="26606"/>
+        <pc:sldMkLst>
+          <pc:docMk/>
+          <pc:sldMk cId="2455443573" sldId="266"/>
+        </pc:sldMkLst>
+        <pc:spChg chg="del">
+          <ac:chgData name="Charles Kiefriter" userId="a996b49251c4dfd2" providerId="LiveId" clId="{91D220E7-26F5-48D4-B540-11BBABC9233D}" dt="2023-11-28T01:06:06.755" v="7" actId="26606"/>
+          <ac:spMkLst>
+            <pc:docMk/>
+            <pc:sldMk cId="2455443573" sldId="266"/>
+            <ac:spMk id="2" creationId="{768E61DF-2180-6B93-8681-49141A4B492D}"/>
+          </ac:spMkLst>
+        </pc:spChg>
+        <pc:spChg chg="del">
+          <ac:chgData name="Charles Kiefriter" userId="a996b49251c4dfd2" providerId="LiveId" clId="{91D220E7-26F5-48D4-B540-11BBABC9233D}" dt="2023-11-28T01:06:06.755" v="7" actId="26606"/>
+          <ac:spMkLst>
+            <pc:docMk/>
+            <pc:sldMk cId="2455443573" sldId="266"/>
+            <ac:spMk id="3" creationId="{B4EB228A-924C-EF2C-24B5-2F09C5EF161A}"/>
+          </ac:spMkLst>
+        </pc:spChg>
+        <pc:grpChg chg="add">
+          <ac:chgData name="Charles Kiefriter" userId="a996b49251c4dfd2" providerId="LiveId" clId="{91D220E7-26F5-48D4-B540-11BBABC9233D}" dt="2023-11-28T01:06:06.755" v="7" actId="26606"/>
+          <ac:grpSpMkLst>
+            <pc:docMk/>
+            <pc:sldMk cId="2455443573" sldId="266"/>
+            <ac:grpSpMk id="10" creationId="{723C66ED-DBBF-12CA-7F5E-813E0E7D036A}"/>
+          </ac:grpSpMkLst>
+        </pc:grpChg>
+        <pc:picChg chg="add mod">
+          <ac:chgData name="Charles Kiefriter" userId="a996b49251c4dfd2" providerId="LiveId" clId="{91D220E7-26F5-48D4-B540-11BBABC9233D}" dt="2023-11-28T01:06:06.755" v="7" actId="26606"/>
+          <ac:picMkLst>
+            <pc:docMk/>
+            <pc:sldMk cId="2455443573" sldId="266"/>
+            <ac:picMk id="5" creationId="{BFD5A7E4-182C-660B-10B3-A73D6D043284}"/>
+          </ac:picMkLst>
+        </pc:picChg>
+      </pc:sldChg>
+    </pc:docChg>
+  </pc:docChgLst>
+</pc:chgInfo>
+</file>
+
 <file path=ppt/slideLayouts/slideLayout1.xml><?xml version="1.0" encoding="utf-8"?>
 <p:sldLayout xmlns:a="http://schemas.openxmlformats.org/drawingml/2006/main" xmlns:r="http://schemas.openxmlformats.org/officeDocument/2006/relationships" xmlns:p="http://schemas.openxmlformats.org/presentationml/2006/main" type="title" preserve="1">
   <p:cSld name="Title Slide">
@@ -252,7 +321,7 @@
           <a:p>
             <a:fld id="{0C080245-79E0-4F3D-AA3E-A557DEFF02F7}" type="datetimeFigureOut">
               <a:rPr lang="en-US" smtClean="0"/>
-              <a:t>10/23/2022</a:t>
+              <a:t>11/27/2023</a:t>
             </a:fld>
             <a:endParaRPr lang="en-US"/>
           </a:p>
@@ -422,7 +491,7 @@
           <a:p>
             <a:fld id="{0C080245-79E0-4F3D-AA3E-A557DEFF02F7}" type="datetimeFigureOut">
               <a:rPr lang="en-US" smtClean="0"/>
-              <a:t>10/23/2022</a:t>
+              <a:t>11/27/2023</a:t>
             </a:fld>
             <a:endParaRPr lang="en-US"/>
           </a:p>
@@ -602,7 +671,7 @@
           <a:p>
             <a:fld id="{0C080245-79E0-4F3D-AA3E-A557DEFF02F7}" type="datetimeFigureOut">
               <a:rPr lang="en-US" smtClean="0"/>
-              <a:t>10/23/2022</a:t>
+              <a:t>11/27/2023</a:t>
             </a:fld>
             <a:endParaRPr lang="en-US"/>
           </a:p>
@@ -772,7 +841,7 @@
           <a:p>
             <a:fld id="{0C080245-79E0-4F3D-AA3E-A557DEFF02F7}" type="datetimeFigureOut">
               <a:rPr lang="en-US" smtClean="0"/>
-              <a:t>10/23/2022</a:t>
+              <a:t>11/27/2023</a:t>
             </a:fld>
             <a:endParaRPr lang="en-US"/>
           </a:p>
@@ -1018,7 +1087,7 @@
           <a:p>
             <a:fld id="{0C080245-79E0-4F3D-AA3E-A557DEFF02F7}" type="datetimeFigureOut">
               <a:rPr lang="en-US" smtClean="0"/>
-              <a:t>10/23/2022</a:t>
+              <a:t>11/27/2023</a:t>
             </a:fld>
             <a:endParaRPr lang="en-US"/>
           </a:p>
@@ -1250,7 +1319,7 @@
           <a:p>
             <a:fld id="{0C080245-79E0-4F3D-AA3E-A557DEFF02F7}" type="datetimeFigureOut">
               <a:rPr lang="en-US" smtClean="0"/>
-              <a:t>10/23/2022</a:t>
+              <a:t>11/27/2023</a:t>
             </a:fld>
             <a:endParaRPr lang="en-US"/>
           </a:p>
@@ -1617,7 +1686,7 @@
           <a:p>
             <a:fld id="{0C080245-79E0-4F3D-AA3E-A557DEFF02F7}" type="datetimeFigureOut">
               <a:rPr lang="en-US" smtClean="0"/>
-              <a:t>10/23/2022</a:t>
+              <a:t>11/27/2023</a:t>
             </a:fld>
             <a:endParaRPr lang="en-US"/>
           </a:p>
@@ -1735,7 +1804,7 @@
           <a:p>
             <a:fld id="{0C080245-79E0-4F3D-AA3E-A557DEFF02F7}" type="datetimeFigureOut">
               <a:rPr lang="en-US" smtClean="0"/>
-              <a:t>10/23/2022</a:t>
+              <a:t>11/27/2023</a:t>
             </a:fld>
             <a:endParaRPr lang="en-US"/>
           </a:p>
@@ -1830,7 +1899,7 @@
           <a:p>
             <a:fld id="{0C080245-79E0-4F3D-AA3E-A557DEFF02F7}" type="datetimeFigureOut">
               <a:rPr lang="en-US" smtClean="0"/>
-              <a:t>10/23/2022</a:t>
+              <a:t>11/27/2023</a:t>
             </a:fld>
             <a:endParaRPr lang="en-US"/>
           </a:p>
@@ -2107,7 +2176,7 @@
           <a:p>
             <a:fld id="{0C080245-79E0-4F3D-AA3E-A557DEFF02F7}" type="datetimeFigureOut">
               <a:rPr lang="en-US" smtClean="0"/>
-              <a:t>10/23/2022</a:t>
+              <a:t>11/27/2023</a:t>
             </a:fld>
             <a:endParaRPr lang="en-US"/>
           </a:p>
@@ -2364,7 +2433,7 @@
           <a:p>
             <a:fld id="{0C080245-79E0-4F3D-AA3E-A557DEFF02F7}" type="datetimeFigureOut">
               <a:rPr lang="en-US" smtClean="0"/>
-              <a:t>10/23/2022</a:t>
+              <a:t>11/27/2023</a:t>
             </a:fld>
             <a:endParaRPr lang="en-US"/>
           </a:p>
@@ -2577,7 +2646,7 @@
           <a:p>
             <a:fld id="{0C080245-79E0-4F3D-AA3E-A557DEFF02F7}" type="datetimeFigureOut">
               <a:rPr lang="en-US" smtClean="0"/>
-              <a:t>10/23/2022</a:t>
+              <a:t>11/27/2023</a:t>
             </a:fld>
             <a:endParaRPr lang="en-US"/>
           </a:p>
@@ -3083,6 +3152,191 @@
           <p:cNvPr id="2" name="Title 1">
             <a:extLst>
               <a:ext uri="{FF2B5EF4-FFF2-40B4-BE49-F238E27FC236}">
+                <a16:creationId xmlns:a16="http://schemas.microsoft.com/office/drawing/2014/main" id="{6536808F-D9B6-9B17-247F-8F03DB3ED47B}"/>
+              </a:ext>
+            </a:extLst>
+          </p:cNvPr>
+          <p:cNvSpPr>
+            <a:spLocks noGrp="1"/>
+          </p:cNvSpPr>
+          <p:nvPr>
+            <p:ph type="title"/>
+          </p:nvPr>
+        </p:nvSpPr>
+        <p:spPr/>
+        <p:txBody>
+          <a:bodyPr/>
+          <a:lstStyle/>
+          <a:p>
+            <a:r>
+              <a:rPr lang="en-US" dirty="0"/>
+              <a:t>Auto-configuration</a:t>
+            </a:r>
+          </a:p>
+        </p:txBody>
+      </p:sp>
+      <p:sp>
+        <p:nvSpPr>
+          <p:cNvPr id="3" name="Content Placeholder 2">
+            <a:extLst>
+              <a:ext uri="{FF2B5EF4-FFF2-40B4-BE49-F238E27FC236}">
+                <a16:creationId xmlns:a16="http://schemas.microsoft.com/office/drawing/2014/main" id="{507A6F65-A5B0-A6A9-8135-22B1854724A9}"/>
+              </a:ext>
+            </a:extLst>
+          </p:cNvPr>
+          <p:cNvSpPr>
+            <a:spLocks noGrp="1"/>
+          </p:cNvSpPr>
+          <p:nvPr>
+            <p:ph idx="1"/>
+          </p:nvPr>
+        </p:nvSpPr>
+        <p:spPr>
+          <a:xfrm>
+            <a:off x="838200" y="1825625"/>
+            <a:ext cx="6081215" cy="4351338"/>
+          </a:xfrm>
+        </p:spPr>
+        <p:txBody>
+          <a:bodyPr/>
+          <a:lstStyle/>
+          <a:p>
+            <a:pPr>
+              <a:spcBef>
+                <a:spcPts val="1800"/>
+              </a:spcBef>
+            </a:pPr>
+            <a:r>
+              <a:rPr lang="en-US" dirty="0"/>
+              <a:t>Spring Boot examines the </a:t>
+            </a:r>
+            <a:r>
+              <a:rPr lang="en-US" dirty="0" err="1">
+                <a:solidFill>
+                  <a:srgbClr val="FFC000"/>
+                </a:solidFill>
+              </a:rPr>
+              <a:t>classpath</a:t>
+            </a:r>
+            <a:r>
+              <a:rPr lang="en-US" dirty="0"/>
+              <a:t> and the application configuration</a:t>
+            </a:r>
+          </a:p>
+          <a:p>
+            <a:pPr>
+              <a:spcBef>
+                <a:spcPts val="1800"/>
+              </a:spcBef>
+            </a:pPr>
+            <a:r>
+              <a:rPr lang="en-US" dirty="0"/>
+              <a:t>It sets up </a:t>
+            </a:r>
+            <a:r>
+              <a:rPr lang="en-US" dirty="0">
+                <a:solidFill>
+                  <a:srgbClr val="FFFF00"/>
+                </a:solidFill>
+              </a:rPr>
+              <a:t>functionality</a:t>
+            </a:r>
+            <a:r>
+              <a:rPr lang="en-US" dirty="0"/>
+              <a:t> (i.e., Web application) based on what it finds</a:t>
+            </a:r>
+          </a:p>
+          <a:p>
+            <a:pPr>
+              <a:spcBef>
+                <a:spcPts val="1800"/>
+              </a:spcBef>
+            </a:pPr>
+            <a:r>
+              <a:rPr lang="en-US" dirty="0"/>
+              <a:t>Spring creates a Web application if it finds the </a:t>
+            </a:r>
+            <a:r>
+              <a:rPr lang="en-US" dirty="0">
+                <a:solidFill>
+                  <a:srgbClr val="00B050"/>
+                </a:solidFill>
+              </a:rPr>
+              <a:t>Tomcat</a:t>
+            </a:r>
+            <a:r>
+              <a:rPr lang="en-US" dirty="0"/>
+              <a:t> dependency</a:t>
+            </a:r>
+          </a:p>
+          <a:p>
+            <a:pPr>
+              <a:spcBef>
+                <a:spcPts val="1800"/>
+              </a:spcBef>
+            </a:pPr>
+            <a:r>
+              <a:rPr lang="en-US" dirty="0"/>
+              <a:t>Tomcat is loaded by </a:t>
+            </a:r>
+            <a:r>
+              <a:rPr lang="en-US" dirty="0">
+                <a:solidFill>
+                  <a:srgbClr val="00B0F0"/>
+                </a:solidFill>
+              </a:rPr>
+              <a:t>spring-boot-starter-web</a:t>
+            </a:r>
+          </a:p>
+        </p:txBody>
+      </p:sp>
+    </p:spTree>
+    <p:extLst>
+      <p:ext uri="{BB962C8B-B14F-4D97-AF65-F5344CB8AC3E}">
+        <p14:creationId xmlns:p14="http://schemas.microsoft.com/office/powerpoint/2010/main" val="3780534247"/>
+      </p:ext>
+    </p:extLst>
+  </p:cSld>
+  <p:clrMapOvr>
+    <a:masterClrMapping/>
+  </p:clrMapOvr>
+  <mc:AlternateContent xmlns:mc="http://schemas.openxmlformats.org/markup-compatibility/2006" xmlns:p14="http://schemas.microsoft.com/office/powerpoint/2010/main">
+    <mc:Choice Requires="p14">
+      <p:transition spd="med" p14:dur="700">
+        <p:fade/>
+      </p:transition>
+    </mc:Choice>
+    <mc:Fallback xmlns="">
+      <p:transition spd="med">
+        <p:fade/>
+      </p:transition>
+    </mc:Fallback>
+  </mc:AlternateContent>
+</p:sld>
+</file>
+
+<file path=ppt/slides/slide11.xml><?xml version="1.0" encoding="utf-8"?>
+<p:sld xmlns:a="http://schemas.openxmlformats.org/drawingml/2006/main" xmlns:r="http://schemas.openxmlformats.org/officeDocument/2006/relationships" xmlns:p="http://schemas.openxmlformats.org/presentationml/2006/main">
+  <p:cSld>
+    <p:spTree>
+      <p:nvGrpSpPr>
+        <p:cNvPr id="1" name=""/>
+        <p:cNvGrpSpPr/>
+        <p:nvPr/>
+      </p:nvGrpSpPr>
+      <p:grpSpPr>
+        <a:xfrm>
+          <a:off x="0" y="0"/>
+          <a:ext cx="0" cy="0"/>
+          <a:chOff x="0" y="0"/>
+          <a:chExt cx="0" cy="0"/>
+        </a:xfrm>
+      </p:grpSpPr>
+      <p:sp>
+        <p:nvSpPr>
+          <p:cNvPr id="2" name="Title 1">
+            <a:extLst>
+              <a:ext uri="{FF2B5EF4-FFF2-40B4-BE49-F238E27FC236}">
                 <a16:creationId xmlns:a16="http://schemas.microsoft.com/office/drawing/2014/main" id="{C8C006BB-1748-3757-B268-6881D8AB92F0}"/>
               </a:ext>
             </a:extLst>
@@ -3481,7 +3735,7 @@
         <p:spPr>
           <a:xfrm>
             <a:off x="838200" y="1825625"/>
-            <a:ext cx="5128647" cy="4351338"/>
+            <a:ext cx="5791200" cy="4351338"/>
           </a:xfrm>
         </p:spPr>
         <p:txBody>
@@ -3498,7 +3752,7 @@
                   <a:schemeClr val="accent4"/>
                 </a:solidFill>
               </a:rPr>
-              <a:t>https://spring.start.io</a:t>
+              <a:t>https://start. spring. io</a:t>
             </a:r>
           </a:p>
           <a:p>
@@ -3569,6 +3823,14 @@
 <file path=ppt/slides/slide5.xml><?xml version="1.0" encoding="utf-8"?>
 <p:sld xmlns:a="http://schemas.openxmlformats.org/drawingml/2006/main" xmlns:r="http://schemas.openxmlformats.org/officeDocument/2006/relationships" xmlns:p="http://schemas.openxmlformats.org/presentationml/2006/main">
   <p:cSld>
+    <p:bg>
+      <p:bgPr>
+        <a:solidFill>
+          <a:schemeClr val="bg1"/>
+        </a:solidFill>
+        <a:effectLst/>
+      </p:bgPr>
+    </p:bg>
     <p:spTree>
       <p:nvGrpSpPr>
         <p:cNvPr id="1" name=""/>
@@ -3583,257 +3845,378 @@
           <a:chExt cx="0" cy="0"/>
         </a:xfrm>
       </p:grpSpPr>
-      <p:sp>
-        <p:nvSpPr>
-          <p:cNvPr id="2" name="Title 1">
+      <p:grpSp>
+        <p:nvGrpSpPr>
+          <p:cNvPr id="10" name="Group 9">
             <a:extLst>
               <a:ext uri="{FF2B5EF4-FFF2-40B4-BE49-F238E27FC236}">
-                <a16:creationId xmlns:a16="http://schemas.microsoft.com/office/drawing/2014/main" id="{5FC9A07E-A720-B711-F2A6-2D6E664A03B7}"/>
+                <a16:creationId xmlns:a16="http://schemas.microsoft.com/office/drawing/2014/main" id="{723C66ED-DBBF-12CA-7F5E-813E0E7D036A}"/>
+              </a:ext>
+              <a:ext uri="{C183D7F6-B498-43B3-948B-1728B52AA6E4}">
+                <adec:decorative xmlns:adec="http://schemas.microsoft.com/office/drawing/2017/decorative" val="1"/>
               </a:ext>
             </a:extLst>
           </p:cNvPr>
-          <p:cNvSpPr>
-            <a:spLocks noGrp="1"/>
-          </p:cNvSpPr>
-          <p:nvPr>
-            <p:ph type="title"/>
-          </p:nvPr>
-        </p:nvSpPr>
-        <p:spPr/>
-        <p:txBody>
-          <a:bodyPr/>
-          <a:lstStyle/>
-          <a:p>
-            <a:r>
-              <a:rPr lang="en-US" dirty="0"/>
-              <a:t>Main application file</a:t>
-            </a:r>
-          </a:p>
-        </p:txBody>
-      </p:sp>
-      <p:sp>
-        <p:nvSpPr>
-          <p:cNvPr id="3" name="Content Placeholder 2">
+          <p:cNvGrpSpPr>
+            <a:grpSpLocks noGrp="1" noUngrp="1" noRot="1" noChangeAspect="1" noMove="1" noResize="1"/>
+          </p:cNvGrpSpPr>
+          <p:nvPr>
+            <p:extLst>
+              <p:ext uri="{386F3935-93C4-4BCD-93E2-E3B085C9AB24}">
+                <p16:designElem xmlns:p16="http://schemas.microsoft.com/office/powerpoint/2015/main" val="1"/>
+              </p:ext>
+            </p:extLst>
+          </p:nvPr>
+        </p:nvGrpSpPr>
+        <p:grpSpPr>
+          <a:xfrm>
+            <a:off x="0" y="-7622"/>
+            <a:ext cx="12192000" cy="6894986"/>
+            <a:chOff x="0" y="-7622"/>
+            <a:chExt cx="12192000" cy="6894986"/>
+          </a:xfrm>
+        </p:grpSpPr>
+        <p:sp>
+          <p:nvSpPr>
+            <p:cNvPr id="11" name="Rectangle 10">
+              <a:extLst>
+                <a:ext uri="{FF2B5EF4-FFF2-40B4-BE49-F238E27FC236}">
+                  <a16:creationId xmlns:a16="http://schemas.microsoft.com/office/drawing/2014/main" id="{E3002B52-2669-1ED7-2E0F-0627FC31DFDC}"/>
+                </a:ext>
+                <a:ext uri="{C183D7F6-B498-43B3-948B-1728B52AA6E4}">
+                  <adec:decorative xmlns:adec="http://schemas.microsoft.com/office/drawing/2017/decorative" val="1"/>
+                </a:ext>
+              </a:extLst>
+            </p:cNvPr>
+            <p:cNvSpPr/>
+            <p:nvPr>
+              <p:extLst>
+                <p:ext uri="{386F3935-93C4-4BCD-93E2-E3B085C9AB24}">
+                  <p16:designElem xmlns:p16="http://schemas.microsoft.com/office/powerpoint/2015/main" val="1"/>
+                </p:ext>
+              </p:extLst>
+            </p:nvPr>
+          </p:nvSpPr>
+          <p:spPr>
+            <a:xfrm rot="10800000">
+              <a:off x="0" y="-7621"/>
+              <a:ext cx="12192000" cy="6887364"/>
+            </a:xfrm>
+            <a:prstGeom prst="rect">
+              <a:avLst/>
+            </a:prstGeom>
+            <a:gradFill>
+              <a:gsLst>
+                <a:gs pos="8000">
+                  <a:schemeClr val="accent5"/>
+                </a:gs>
+                <a:gs pos="100000">
+                  <a:schemeClr val="accent2"/>
+                </a:gs>
+              </a:gsLst>
+              <a:lin ang="4200000" scaled="0"/>
+            </a:gradFill>
+            <a:ln>
+              <a:noFill/>
+            </a:ln>
+          </p:spPr>
+          <p:style>
+            <a:lnRef idx="2">
+              <a:schemeClr val="accent1">
+                <a:shade val="50000"/>
+              </a:schemeClr>
+            </a:lnRef>
+            <a:fillRef idx="1">
+              <a:schemeClr val="accent1"/>
+            </a:fillRef>
+            <a:effectRef idx="0">
+              <a:schemeClr val="accent1"/>
+            </a:effectRef>
+            <a:fontRef idx="minor">
+              <a:schemeClr val="lt1"/>
+            </a:fontRef>
+          </p:style>
+          <p:txBody>
+            <a:bodyPr rtlCol="0" anchor="ctr"/>
+            <a:lstStyle/>
+            <a:p>
+              <a:pPr algn="ctr"/>
+              <a:endParaRPr lang="en-US" dirty="0"/>
+            </a:p>
+          </p:txBody>
+        </p:sp>
+        <p:sp>
+          <p:nvSpPr>
+            <p:cNvPr id="12" name="Rectangle 11">
+              <a:extLst>
+                <a:ext uri="{FF2B5EF4-FFF2-40B4-BE49-F238E27FC236}">
+                  <a16:creationId xmlns:a16="http://schemas.microsoft.com/office/drawing/2014/main" id="{82E9EC0D-91EA-9D35-F655-335C580AB3CB}"/>
+                </a:ext>
+                <a:ext uri="{C183D7F6-B498-43B3-948B-1728B52AA6E4}">
+                  <adec:decorative xmlns:adec="http://schemas.microsoft.com/office/drawing/2017/decorative" val="1"/>
+                </a:ext>
+              </a:extLst>
+            </p:cNvPr>
+            <p:cNvSpPr/>
+            <p:nvPr>
+              <p:extLst>
+                <p:ext uri="{386F3935-93C4-4BCD-93E2-E3B085C9AB24}">
+                  <p16:designElem xmlns:p16="http://schemas.microsoft.com/office/powerpoint/2015/main" val="1"/>
+                </p:ext>
+              </p:extLst>
+            </p:nvPr>
+          </p:nvSpPr>
+          <p:spPr>
+            <a:xfrm>
+              <a:off x="399" y="0"/>
+              <a:ext cx="8216919" cy="6887364"/>
+            </a:xfrm>
+            <a:prstGeom prst="rect">
+              <a:avLst/>
+            </a:prstGeom>
+            <a:gradFill flip="none" rotWithShape="1">
+              <a:gsLst>
+                <a:gs pos="0">
+                  <a:schemeClr val="accent5">
+                    <a:lumMod val="75000"/>
+                    <a:alpha val="79000"/>
+                  </a:schemeClr>
+                </a:gs>
+                <a:gs pos="40000">
+                  <a:schemeClr val="accent5">
+                    <a:lumMod val="60000"/>
+                    <a:lumOff val="40000"/>
+                    <a:alpha val="0"/>
+                  </a:schemeClr>
+                </a:gs>
+              </a:gsLst>
+              <a:lin ang="19200000" scaled="0"/>
+              <a:tileRect/>
+            </a:gradFill>
+            <a:ln>
+              <a:noFill/>
+            </a:ln>
+          </p:spPr>
+          <p:style>
+            <a:lnRef idx="2">
+              <a:schemeClr val="accent1">
+                <a:shade val="50000"/>
+              </a:schemeClr>
+            </a:lnRef>
+            <a:fillRef idx="1">
+              <a:schemeClr val="accent1"/>
+            </a:fillRef>
+            <a:effectRef idx="0">
+              <a:schemeClr val="accent1"/>
+            </a:effectRef>
+            <a:fontRef idx="minor">
+              <a:schemeClr val="lt1"/>
+            </a:fontRef>
+          </p:style>
+          <p:txBody>
+            <a:bodyPr rtlCol="0" anchor="ctr"/>
+            <a:lstStyle/>
+            <a:p>
+              <a:pPr algn="ctr"/>
+              <a:endParaRPr lang="en-US"/>
+            </a:p>
+          </p:txBody>
+        </p:sp>
+        <p:sp>
+          <p:nvSpPr>
+            <p:cNvPr id="13" name="Rectangle 12">
+              <a:extLst>
+                <a:ext uri="{FF2B5EF4-FFF2-40B4-BE49-F238E27FC236}">
+                  <a16:creationId xmlns:a16="http://schemas.microsoft.com/office/drawing/2014/main" id="{7770627C-B480-1145-72DC-5B59DBE04874}"/>
+                </a:ext>
+                <a:ext uri="{C183D7F6-B498-43B3-948B-1728B52AA6E4}">
+                  <adec:decorative xmlns:adec="http://schemas.microsoft.com/office/drawing/2017/decorative" val="1"/>
+                </a:ext>
+              </a:extLst>
+            </p:cNvPr>
+            <p:cNvSpPr/>
+            <p:nvPr>
+              <p:extLst>
+                <p:ext uri="{386F3935-93C4-4BCD-93E2-E3B085C9AB24}">
+                  <p16:designElem xmlns:p16="http://schemas.microsoft.com/office/powerpoint/2015/main" val="1"/>
+                </p:ext>
+              </p:extLst>
+            </p:nvPr>
+          </p:nvSpPr>
+          <p:spPr>
+            <a:xfrm>
+              <a:off x="3739978" y="-7622"/>
+              <a:ext cx="8451623" cy="6887367"/>
+            </a:xfrm>
+            <a:prstGeom prst="rect">
+              <a:avLst/>
+            </a:prstGeom>
+            <a:gradFill>
+              <a:gsLst>
+                <a:gs pos="0">
+                  <a:schemeClr val="accent5">
+                    <a:lumMod val="75000"/>
+                    <a:alpha val="67000"/>
+                  </a:schemeClr>
+                </a:gs>
+                <a:gs pos="60000">
+                  <a:schemeClr val="accent5">
+                    <a:alpha val="0"/>
+                  </a:schemeClr>
+                </a:gs>
+              </a:gsLst>
+              <a:lin ang="11400000" scaled="0"/>
+            </a:gradFill>
+            <a:ln>
+              <a:noFill/>
+            </a:ln>
+          </p:spPr>
+          <p:style>
+            <a:lnRef idx="2">
+              <a:schemeClr val="accent1">
+                <a:shade val="50000"/>
+              </a:schemeClr>
+            </a:lnRef>
+            <a:fillRef idx="1">
+              <a:schemeClr val="accent1"/>
+            </a:fillRef>
+            <a:effectRef idx="0">
+              <a:schemeClr val="accent1"/>
+            </a:effectRef>
+            <a:fontRef idx="minor">
+              <a:schemeClr val="lt1"/>
+            </a:fontRef>
+          </p:style>
+          <p:txBody>
+            <a:bodyPr rtlCol="0" anchor="ctr"/>
+            <a:lstStyle/>
+            <a:p>
+              <a:pPr algn="ctr"/>
+              <a:endParaRPr lang="en-US"/>
+            </a:p>
+          </p:txBody>
+        </p:sp>
+        <p:sp>
+          <p:nvSpPr>
+            <p:cNvPr id="14" name="Rectangle 13">
+              <a:extLst>
+                <a:ext uri="{FF2B5EF4-FFF2-40B4-BE49-F238E27FC236}">
+                  <a16:creationId xmlns:a16="http://schemas.microsoft.com/office/drawing/2014/main" id="{E9F81D39-93D1-019C-74DC-4710F5334637}"/>
+                </a:ext>
+                <a:ext uri="{C183D7F6-B498-43B3-948B-1728B52AA6E4}">
+                  <adec:decorative xmlns:adec="http://schemas.microsoft.com/office/drawing/2017/decorative" val="1"/>
+                </a:ext>
+              </a:extLst>
+            </p:cNvPr>
+            <p:cNvSpPr/>
+            <p:nvPr>
+              <p:extLst>
+                <p:ext uri="{386F3935-93C4-4BCD-93E2-E3B085C9AB24}">
+                  <p16:designElem xmlns:p16="http://schemas.microsoft.com/office/powerpoint/2015/main" val="1"/>
+                </p:ext>
+              </p:extLst>
+            </p:nvPr>
+          </p:nvSpPr>
+          <p:spPr>
+            <a:xfrm rot="10800000">
+              <a:off x="9127281" y="7060"/>
+              <a:ext cx="3064320" cy="6872683"/>
+            </a:xfrm>
+            <a:prstGeom prst="rect">
+              <a:avLst/>
+            </a:prstGeom>
+            <a:gradFill flip="none" rotWithShape="1">
+              <a:gsLst>
+                <a:gs pos="0">
+                  <a:schemeClr val="accent2">
+                    <a:alpha val="58000"/>
+                  </a:schemeClr>
+                </a:gs>
+                <a:gs pos="41000">
+                  <a:schemeClr val="accent2">
+                    <a:alpha val="0"/>
+                  </a:schemeClr>
+                </a:gs>
+              </a:gsLst>
+              <a:lin ang="1200000" scaled="0"/>
+              <a:tileRect/>
+            </a:gradFill>
+            <a:ln w="12700" cap="flat" cmpd="sng" algn="ctr">
+              <a:noFill/>
+              <a:prstDash val="solid"/>
+              <a:miter lim="800000"/>
+            </a:ln>
+            <a:effectLst/>
+          </p:spPr>
+          <p:style>
+            <a:lnRef idx="2">
+              <a:schemeClr val="accent1">
+                <a:shade val="50000"/>
+              </a:schemeClr>
+            </a:lnRef>
+            <a:fillRef idx="1">
+              <a:schemeClr val="accent1"/>
+            </a:fillRef>
+            <a:effectRef idx="0">
+              <a:schemeClr val="accent1"/>
+            </a:effectRef>
+            <a:fontRef idx="minor">
+              <a:schemeClr val="lt1"/>
+            </a:fontRef>
+          </p:style>
+          <p:txBody>
+            <a:bodyPr rtlCol="0" anchor="ctr"/>
+            <a:lstStyle/>
+            <a:p>
+              <a:pPr algn="r"/>
+              <a:endParaRPr lang="en-US"/>
+            </a:p>
+          </p:txBody>
+        </p:sp>
+      </p:grpSp>
+      <p:pic>
+        <p:nvPicPr>
+          <p:cNvPr id="5" name="Content Placeholder 4">
             <a:extLst>
               <a:ext uri="{FF2B5EF4-FFF2-40B4-BE49-F238E27FC236}">
-                <a16:creationId xmlns:a16="http://schemas.microsoft.com/office/drawing/2014/main" id="{B9DB7B8D-D8AF-6799-A192-6674775A0322}"/>
+                <a16:creationId xmlns:a16="http://schemas.microsoft.com/office/drawing/2014/main" id="{BFD5A7E4-182C-660B-10B3-A73D6D043284}"/>
               </a:ext>
             </a:extLst>
           </p:cNvPr>
-          <p:cNvSpPr>
-            <a:spLocks noGrp="1"/>
-          </p:cNvSpPr>
+          <p:cNvPicPr>
+            <a:picLocks noGrp="1" noChangeAspect="1"/>
+          </p:cNvPicPr>
           <p:nvPr>
             <p:ph idx="1"/>
           </p:nvPr>
-        </p:nvSpPr>
-        <p:spPr/>
-        <p:txBody>
-          <a:bodyPr>
-            <a:normAutofit/>
-          </a:bodyPr>
-          <a:lstStyle/>
-          <a:p>
-            <a:pPr marL="0" indent="0">
-              <a:buNone/>
-            </a:pPr>
-            <a:r>
-              <a:rPr lang="en-US" sz="2000" dirty="0">
-                <a:solidFill>
-                  <a:srgbClr val="00B050"/>
-                </a:solidFill>
-                <a:latin typeface="Courier New" panose="02070309020205020404" pitchFamily="49" charset="0"/>
-                <a:cs typeface="Courier New" panose="02070309020205020404" pitchFamily="49" charset="0"/>
-              </a:rPr>
-              <a:t>@SpringBootApplication</a:t>
-            </a:r>
-          </a:p>
-          <a:p>
-            <a:pPr marL="0" indent="0">
-              <a:buNone/>
-            </a:pPr>
-            <a:r>
-              <a:rPr lang="en-US" sz="2000" dirty="0">
-                <a:latin typeface="Courier New" panose="02070309020205020404" pitchFamily="49" charset="0"/>
-                <a:cs typeface="Courier New" panose="02070309020205020404" pitchFamily="49" charset="0"/>
-              </a:rPr>
-              <a:t>public class </a:t>
-            </a:r>
-            <a:r>
-              <a:rPr lang="en-US" sz="2000" dirty="0" err="1">
-                <a:latin typeface="Courier New" panose="02070309020205020404" pitchFamily="49" charset="0"/>
-                <a:cs typeface="Courier New" panose="02070309020205020404" pitchFamily="49" charset="0"/>
-              </a:rPr>
-              <a:t>PetParkApplication</a:t>
-            </a:r>
-            <a:r>
-              <a:rPr lang="en-US" sz="2000" dirty="0">
-                <a:latin typeface="Courier New" panose="02070309020205020404" pitchFamily="49" charset="0"/>
-                <a:cs typeface="Courier New" panose="02070309020205020404" pitchFamily="49" charset="0"/>
-              </a:rPr>
-              <a:t> {</a:t>
-            </a:r>
-          </a:p>
-          <a:p>
-            <a:pPr marL="0" indent="0">
-              <a:buNone/>
-            </a:pPr>
-            <a:r>
-              <a:rPr lang="en-US" sz="2000" dirty="0">
-                <a:latin typeface="Courier New" panose="02070309020205020404" pitchFamily="49" charset="0"/>
-                <a:cs typeface="Courier New" panose="02070309020205020404" pitchFamily="49" charset="0"/>
-              </a:rPr>
-              <a:t>  public static void </a:t>
-            </a:r>
-            <a:r>
-              <a:rPr lang="en-US" sz="2000" dirty="0">
-                <a:solidFill>
-                  <a:srgbClr val="00B0F0"/>
-                </a:solidFill>
-                <a:latin typeface="Courier New" panose="02070309020205020404" pitchFamily="49" charset="0"/>
-                <a:cs typeface="Courier New" panose="02070309020205020404" pitchFamily="49" charset="0"/>
-              </a:rPr>
-              <a:t>main</a:t>
-            </a:r>
-            <a:r>
-              <a:rPr lang="en-US" sz="2000" dirty="0">
-                <a:latin typeface="Courier New" panose="02070309020205020404" pitchFamily="49" charset="0"/>
-                <a:cs typeface="Courier New" panose="02070309020205020404" pitchFamily="49" charset="0"/>
-              </a:rPr>
-              <a:t>(String[] </a:t>
-            </a:r>
-            <a:r>
-              <a:rPr lang="en-US" sz="2000" dirty="0" err="1">
-                <a:latin typeface="Courier New" panose="02070309020205020404" pitchFamily="49" charset="0"/>
-                <a:cs typeface="Courier New" panose="02070309020205020404" pitchFamily="49" charset="0"/>
-              </a:rPr>
-              <a:t>args</a:t>
-            </a:r>
-            <a:r>
-              <a:rPr lang="en-US" sz="2000" dirty="0">
-                <a:latin typeface="Courier New" panose="02070309020205020404" pitchFamily="49" charset="0"/>
-                <a:cs typeface="Courier New" panose="02070309020205020404" pitchFamily="49" charset="0"/>
-              </a:rPr>
-              <a:t>) {</a:t>
-            </a:r>
-          </a:p>
-          <a:p>
-            <a:pPr marL="0" indent="0">
-              <a:buNone/>
-            </a:pPr>
-            <a:r>
-              <a:rPr lang="en-US" sz="2000" dirty="0">
-                <a:latin typeface="Courier New" panose="02070309020205020404" pitchFamily="49" charset="0"/>
-                <a:cs typeface="Courier New" panose="02070309020205020404" pitchFamily="49" charset="0"/>
-              </a:rPr>
-              <a:t>    </a:t>
-            </a:r>
-            <a:r>
-              <a:rPr lang="en-US" sz="2000" dirty="0" err="1">
-                <a:solidFill>
-                  <a:srgbClr val="FFC000"/>
-                </a:solidFill>
-                <a:latin typeface="Courier New" panose="02070309020205020404" pitchFamily="49" charset="0"/>
-                <a:cs typeface="Courier New" panose="02070309020205020404" pitchFamily="49" charset="0"/>
-              </a:rPr>
-              <a:t>SpringApplication.run</a:t>
-            </a:r>
-            <a:r>
-              <a:rPr lang="en-US" sz="2000" dirty="0">
-                <a:latin typeface="Courier New" panose="02070309020205020404" pitchFamily="49" charset="0"/>
-                <a:cs typeface="Courier New" panose="02070309020205020404" pitchFamily="49" charset="0"/>
-              </a:rPr>
-              <a:t>(</a:t>
-            </a:r>
-          </a:p>
-          <a:p>
-            <a:pPr marL="0" indent="0">
-              <a:buNone/>
-            </a:pPr>
-            <a:r>
-              <a:rPr lang="en-US" sz="2000" dirty="0">
-                <a:latin typeface="Courier New" panose="02070309020205020404" pitchFamily="49" charset="0"/>
-                <a:cs typeface="Courier New" panose="02070309020205020404" pitchFamily="49" charset="0"/>
-              </a:rPr>
-              <a:t>        </a:t>
-            </a:r>
-            <a:r>
-              <a:rPr lang="en-US" sz="2000" dirty="0" err="1">
-                <a:latin typeface="Courier New" panose="02070309020205020404" pitchFamily="49" charset="0"/>
-                <a:cs typeface="Courier New" panose="02070309020205020404" pitchFamily="49" charset="0"/>
-              </a:rPr>
-              <a:t>PetParkApplication.class</a:t>
-            </a:r>
-            <a:r>
-              <a:rPr lang="en-US" sz="2000" dirty="0">
-                <a:latin typeface="Courier New" panose="02070309020205020404" pitchFamily="49" charset="0"/>
-                <a:cs typeface="Courier New" panose="02070309020205020404" pitchFamily="49" charset="0"/>
-              </a:rPr>
-              <a:t>, </a:t>
-            </a:r>
-            <a:r>
-              <a:rPr lang="en-US" sz="2000" dirty="0" err="1">
-                <a:latin typeface="Courier New" panose="02070309020205020404" pitchFamily="49" charset="0"/>
-                <a:cs typeface="Courier New" panose="02070309020205020404" pitchFamily="49" charset="0"/>
-              </a:rPr>
-              <a:t>args</a:t>
-            </a:r>
-            <a:r>
-              <a:rPr lang="en-US" sz="2000" dirty="0">
-                <a:latin typeface="Courier New" panose="02070309020205020404" pitchFamily="49" charset="0"/>
-                <a:cs typeface="Courier New" panose="02070309020205020404" pitchFamily="49" charset="0"/>
-              </a:rPr>
-              <a:t>);</a:t>
-            </a:r>
-          </a:p>
-          <a:p>
-            <a:pPr marL="0" indent="0">
-              <a:buNone/>
-            </a:pPr>
-            <a:r>
-              <a:rPr lang="en-US" sz="2000" dirty="0">
-                <a:latin typeface="Courier New" panose="02070309020205020404" pitchFamily="49" charset="0"/>
-                <a:cs typeface="Courier New" panose="02070309020205020404" pitchFamily="49" charset="0"/>
-              </a:rPr>
-              <a:t>  }</a:t>
-            </a:r>
-          </a:p>
-          <a:p>
-            <a:pPr marL="0" indent="0">
-              <a:buNone/>
-            </a:pPr>
-            <a:r>
-              <a:rPr lang="en-US" sz="2000" dirty="0">
-                <a:latin typeface="Courier New" panose="02070309020205020404" pitchFamily="49" charset="0"/>
-                <a:cs typeface="Courier New" panose="02070309020205020404" pitchFamily="49" charset="0"/>
-              </a:rPr>
-              <a:t>}</a:t>
-            </a:r>
-          </a:p>
-        </p:txBody>
-      </p:sp>
+        </p:nvPicPr>
+        <p:blipFill rotWithShape="1">
+          <a:blip r:embed="rId2">
+            <a:alphaModFix amt="59000"/>
+          </a:blip>
+          <a:srcRect r="1311"/>
+          <a:stretch/>
+        </p:blipFill>
+        <p:spPr>
+          <a:xfrm>
+            <a:off x="20" y="-7624"/>
+            <a:ext cx="12191981" cy="6887365"/>
+          </a:xfrm>
+          <a:prstGeom prst="rect">
+            <a:avLst/>
+          </a:prstGeom>
+        </p:spPr>
+      </p:pic>
     </p:spTree>
     <p:extLst>
       <p:ext uri="{BB962C8B-B14F-4D97-AF65-F5344CB8AC3E}">
-        <p14:creationId xmlns:p14="http://schemas.microsoft.com/office/powerpoint/2010/main" val="3698219511"/>
+        <p14:creationId xmlns:p14="http://schemas.microsoft.com/office/powerpoint/2010/main" val="2455443573"/>
       </p:ext>
     </p:extLst>
   </p:cSld>
   <p:clrMapOvr>
     <a:masterClrMapping/>
   </p:clrMapOvr>
-  <mc:AlternateContent xmlns:mc="http://schemas.openxmlformats.org/markup-compatibility/2006" xmlns:p14="http://schemas.microsoft.com/office/powerpoint/2010/main">
-    <mc:Choice Requires="p14">
-      <p:transition spd="med" p14:dur="700">
-        <p:fade/>
-      </p:transition>
-    </mc:Choice>
-    <mc:Fallback xmlns="">
-      <p:transition spd="med">
-        <p:fade/>
-      </p:transition>
-    </mc:Fallback>
-  </mc:AlternateContent>
 </p:sld>
 </file>
 
@@ -3859,7 +4242,7 @@
           <p:cNvPr id="2" name="Title 1">
             <a:extLst>
               <a:ext uri="{FF2B5EF4-FFF2-40B4-BE49-F238E27FC236}">
-                <a16:creationId xmlns:a16="http://schemas.microsoft.com/office/drawing/2014/main" id="{983D7C57-67D4-BB73-F14A-9883E10BBE10}"/>
+                <a16:creationId xmlns:a16="http://schemas.microsoft.com/office/drawing/2014/main" id="{5FC9A07E-A720-B711-F2A6-2D6E664A03B7}"/>
               </a:ext>
             </a:extLst>
           </p:cNvPr>
@@ -3876,12 +4259,8 @@
           <a:lstStyle/>
           <a:p>
             <a:r>
-              <a:rPr lang="en-US" dirty="0">
-                <a:solidFill>
-                  <a:schemeClr val="accent4"/>
-                </a:solidFill>
-              </a:rPr>
-              <a:t>@SpringBootApplication</a:t>
+              <a:rPr lang="en-US" dirty="0"/>
+              <a:t>Main application file</a:t>
             </a:r>
           </a:p>
         </p:txBody>
@@ -3891,7 +4270,7 @@
           <p:cNvPr id="3" name="Content Placeholder 2">
             <a:extLst>
               <a:ext uri="{FF2B5EF4-FFF2-40B4-BE49-F238E27FC236}">
-                <a16:creationId xmlns:a16="http://schemas.microsoft.com/office/drawing/2014/main" id="{01F1D4C4-FB03-E9B1-BF31-4B84FB3B1384}"/>
+                <a16:creationId xmlns:a16="http://schemas.microsoft.com/office/drawing/2014/main" id="{B9DB7B8D-D8AF-6799-A192-6674775A0322}"/>
               </a:ext>
             </a:extLst>
           </p:cNvPr>
@@ -3904,18 +4283,185 @@
         </p:nvSpPr>
         <p:spPr/>
         <p:txBody>
-          <a:bodyPr/>
-          <a:lstStyle/>
-          <a:p>
-            <a:r>
-              <a:rPr lang="en-US" dirty="0"/>
-              <a:t>Enables Component Scan</a:t>
-            </a:r>
-          </a:p>
-          <a:p>
-            <a:r>
-              <a:rPr lang="en-US" dirty="0"/>
-              <a:t>Enables Auto-configuration</a:t>
+          <a:bodyPr>
+            <a:normAutofit/>
+          </a:bodyPr>
+          <a:lstStyle/>
+          <a:p>
+            <a:pPr marL="0" indent="0">
+              <a:buNone/>
+            </a:pPr>
+            <a:r>
+              <a:rPr lang="en-US" sz="2000" dirty="0">
+                <a:solidFill>
+                  <a:srgbClr val="00B050"/>
+                </a:solidFill>
+                <a:latin typeface="Courier New" panose="02070309020205020404" pitchFamily="49" charset="0"/>
+                <a:cs typeface="Courier New" panose="02070309020205020404" pitchFamily="49" charset="0"/>
+              </a:rPr>
+              <a:t>@SpringBootApplication</a:t>
+            </a:r>
+          </a:p>
+          <a:p>
+            <a:pPr marL="0" indent="0">
+              <a:buNone/>
+            </a:pPr>
+            <a:r>
+              <a:rPr lang="en-US" sz="2000" dirty="0">
+                <a:latin typeface="Courier New" panose="02070309020205020404" pitchFamily="49" charset="0"/>
+                <a:cs typeface="Courier New" panose="02070309020205020404" pitchFamily="49" charset="0"/>
+              </a:rPr>
+              <a:t>public class </a:t>
+            </a:r>
+            <a:r>
+              <a:rPr lang="en-US" sz="2000" dirty="0" err="1">
+                <a:latin typeface="Courier New" panose="02070309020205020404" pitchFamily="49" charset="0"/>
+                <a:cs typeface="Courier New" panose="02070309020205020404" pitchFamily="49" charset="0"/>
+              </a:rPr>
+              <a:t>PetParkApplication</a:t>
+            </a:r>
+            <a:r>
+              <a:rPr lang="en-US" sz="2000" dirty="0">
+                <a:latin typeface="Courier New" panose="02070309020205020404" pitchFamily="49" charset="0"/>
+                <a:cs typeface="Courier New" panose="02070309020205020404" pitchFamily="49" charset="0"/>
+              </a:rPr>
+              <a:t> {</a:t>
+            </a:r>
+          </a:p>
+          <a:p>
+            <a:pPr marL="0" indent="0">
+              <a:buNone/>
+            </a:pPr>
+            <a:r>
+              <a:rPr lang="en-US" sz="2000" dirty="0">
+                <a:latin typeface="Courier New" panose="02070309020205020404" pitchFamily="49" charset="0"/>
+                <a:cs typeface="Courier New" panose="02070309020205020404" pitchFamily="49" charset="0"/>
+              </a:rPr>
+              <a:t>  public static void </a:t>
+            </a:r>
+            <a:r>
+              <a:rPr lang="en-US" sz="2000" dirty="0">
+                <a:solidFill>
+                  <a:srgbClr val="00B0F0"/>
+                </a:solidFill>
+                <a:latin typeface="Courier New" panose="02070309020205020404" pitchFamily="49" charset="0"/>
+                <a:cs typeface="Courier New" panose="02070309020205020404" pitchFamily="49" charset="0"/>
+              </a:rPr>
+              <a:t>main</a:t>
+            </a:r>
+            <a:r>
+              <a:rPr lang="en-US" sz="2000" dirty="0">
+                <a:latin typeface="Courier New" panose="02070309020205020404" pitchFamily="49" charset="0"/>
+                <a:cs typeface="Courier New" panose="02070309020205020404" pitchFamily="49" charset="0"/>
+              </a:rPr>
+              <a:t>(String[] </a:t>
+            </a:r>
+            <a:r>
+              <a:rPr lang="en-US" sz="2000" dirty="0" err="1">
+                <a:latin typeface="Courier New" panose="02070309020205020404" pitchFamily="49" charset="0"/>
+                <a:cs typeface="Courier New" panose="02070309020205020404" pitchFamily="49" charset="0"/>
+              </a:rPr>
+              <a:t>args</a:t>
+            </a:r>
+            <a:r>
+              <a:rPr lang="en-US" sz="2000" dirty="0">
+                <a:latin typeface="Courier New" panose="02070309020205020404" pitchFamily="49" charset="0"/>
+                <a:cs typeface="Courier New" panose="02070309020205020404" pitchFamily="49" charset="0"/>
+              </a:rPr>
+              <a:t>) {</a:t>
+            </a:r>
+          </a:p>
+          <a:p>
+            <a:pPr marL="0" indent="0">
+              <a:buNone/>
+            </a:pPr>
+            <a:r>
+              <a:rPr lang="en-US" sz="2000" dirty="0">
+                <a:latin typeface="Courier New" panose="02070309020205020404" pitchFamily="49" charset="0"/>
+                <a:cs typeface="Courier New" panose="02070309020205020404" pitchFamily="49" charset="0"/>
+              </a:rPr>
+              <a:t>    </a:t>
+            </a:r>
+            <a:r>
+              <a:rPr lang="en-US" sz="2000" dirty="0" err="1">
+                <a:solidFill>
+                  <a:srgbClr val="FFC000"/>
+                </a:solidFill>
+                <a:latin typeface="Courier New" panose="02070309020205020404" pitchFamily="49" charset="0"/>
+                <a:cs typeface="Courier New" panose="02070309020205020404" pitchFamily="49" charset="0"/>
+              </a:rPr>
+              <a:t>SpringApplication.run</a:t>
+            </a:r>
+            <a:r>
+              <a:rPr lang="en-US" sz="2000" dirty="0">
+                <a:latin typeface="Courier New" panose="02070309020205020404" pitchFamily="49" charset="0"/>
+                <a:cs typeface="Courier New" panose="02070309020205020404" pitchFamily="49" charset="0"/>
+              </a:rPr>
+              <a:t>(</a:t>
+            </a:r>
+          </a:p>
+          <a:p>
+            <a:pPr marL="0" indent="0">
+              <a:buNone/>
+            </a:pPr>
+            <a:r>
+              <a:rPr lang="en-US" sz="2000" dirty="0">
+                <a:latin typeface="Courier New" panose="02070309020205020404" pitchFamily="49" charset="0"/>
+                <a:cs typeface="Courier New" panose="02070309020205020404" pitchFamily="49" charset="0"/>
+              </a:rPr>
+              <a:t>        </a:t>
+            </a:r>
+            <a:r>
+              <a:rPr lang="en-US" sz="2000" dirty="0" err="1">
+                <a:latin typeface="Courier New" panose="02070309020205020404" pitchFamily="49" charset="0"/>
+                <a:cs typeface="Courier New" panose="02070309020205020404" pitchFamily="49" charset="0"/>
+              </a:rPr>
+              <a:t>PetParkApplication.class</a:t>
+            </a:r>
+            <a:r>
+              <a:rPr lang="en-US" sz="2000" dirty="0">
+                <a:latin typeface="Courier New" panose="02070309020205020404" pitchFamily="49" charset="0"/>
+                <a:cs typeface="Courier New" panose="02070309020205020404" pitchFamily="49" charset="0"/>
+              </a:rPr>
+              <a:t>, </a:t>
+            </a:r>
+            <a:r>
+              <a:rPr lang="en-US" sz="2000" dirty="0" err="1">
+                <a:latin typeface="Courier New" panose="02070309020205020404" pitchFamily="49" charset="0"/>
+                <a:cs typeface="Courier New" panose="02070309020205020404" pitchFamily="49" charset="0"/>
+              </a:rPr>
+              <a:t>args</a:t>
+            </a:r>
+            <a:r>
+              <a:rPr lang="en-US" sz="2000" dirty="0">
+                <a:latin typeface="Courier New" panose="02070309020205020404" pitchFamily="49" charset="0"/>
+                <a:cs typeface="Courier New" panose="02070309020205020404" pitchFamily="49" charset="0"/>
+              </a:rPr>
+              <a:t>);</a:t>
+            </a:r>
+          </a:p>
+          <a:p>
+            <a:pPr marL="0" indent="0">
+              <a:buNone/>
+            </a:pPr>
+            <a:r>
+              <a:rPr lang="en-US" sz="2000" dirty="0">
+                <a:latin typeface="Courier New" panose="02070309020205020404" pitchFamily="49" charset="0"/>
+                <a:cs typeface="Courier New" panose="02070309020205020404" pitchFamily="49" charset="0"/>
+              </a:rPr>
+              <a:t>  }</a:t>
+            </a:r>
+          </a:p>
+          <a:p>
+            <a:pPr marL="0" indent="0">
+              <a:buNone/>
+            </a:pPr>
+            <a:r>
+              <a:rPr lang="en-US" sz="2000" dirty="0">
+                <a:latin typeface="Courier New" panose="02070309020205020404" pitchFamily="49" charset="0"/>
+                <a:cs typeface="Courier New" panose="02070309020205020404" pitchFamily="49" charset="0"/>
+              </a:rPr>
+              <a:t>}</a:t>
             </a:r>
           </a:p>
         </p:txBody>
@@ -3923,7 +4469,7 @@
     </p:spTree>
     <p:extLst>
       <p:ext uri="{BB962C8B-B14F-4D97-AF65-F5344CB8AC3E}">
-        <p14:creationId xmlns:p14="http://schemas.microsoft.com/office/powerpoint/2010/main" val="1805647572"/>
+        <p14:creationId xmlns:p14="http://schemas.microsoft.com/office/powerpoint/2010/main" val="3698219511"/>
       </p:ext>
     </p:extLst>
   </p:cSld>
@@ -3967,7 +4513,7 @@
           <p:cNvPr id="2" name="Title 1">
             <a:extLst>
               <a:ext uri="{FF2B5EF4-FFF2-40B4-BE49-F238E27FC236}">
-                <a16:creationId xmlns:a16="http://schemas.microsoft.com/office/drawing/2014/main" id="{7D634871-1B2C-C101-A91E-2FE2BFB3508B}"/>
+                <a16:creationId xmlns:a16="http://schemas.microsoft.com/office/drawing/2014/main" id="{983D7C57-67D4-BB73-F14A-9883E10BBE10}"/>
               </a:ext>
             </a:extLst>
           </p:cNvPr>
@@ -3984,8 +4530,12 @@
           <a:lstStyle/>
           <a:p>
             <a:r>
-              <a:rPr lang="en-US" dirty="0"/>
-              <a:t>Component scan</a:t>
+              <a:rPr lang="en-US" dirty="0">
+                <a:solidFill>
+                  <a:schemeClr val="accent4"/>
+                </a:solidFill>
+              </a:rPr>
+              <a:t>@SpringBootApplication</a:t>
             </a:r>
           </a:p>
         </p:txBody>
@@ -3995,7 +4545,7 @@
           <p:cNvPr id="3" name="Content Placeholder 2">
             <a:extLst>
               <a:ext uri="{FF2B5EF4-FFF2-40B4-BE49-F238E27FC236}">
-                <a16:creationId xmlns:a16="http://schemas.microsoft.com/office/drawing/2014/main" id="{0C94F192-9B8A-C084-7867-4F08E0420D9B}"/>
+                <a16:creationId xmlns:a16="http://schemas.microsoft.com/office/drawing/2014/main" id="{01F1D4C4-FB03-E9B1-BF31-4B84FB3B1384}"/>
               </a:ext>
             </a:extLst>
           </p:cNvPr>
@@ -4006,132 +4556,20 @@
             <p:ph idx="1"/>
           </p:nvPr>
         </p:nvSpPr>
-        <p:spPr>
-          <a:xfrm>
-            <a:off x="838200" y="1825625"/>
-            <a:ext cx="6176749" cy="4351338"/>
-          </a:xfrm>
-        </p:spPr>
-        <p:txBody>
-          <a:bodyPr/>
-          <a:lstStyle/>
-          <a:p>
-            <a:pPr>
-              <a:spcBef>
-                <a:spcPts val="1800"/>
-              </a:spcBef>
-            </a:pPr>
+        <p:spPr/>
+        <p:txBody>
+          <a:bodyPr/>
+          <a:lstStyle/>
+          <a:p>
             <a:r>
               <a:rPr lang="en-US" dirty="0"/>
-              <a:t>Boot looks at every class in the </a:t>
-            </a:r>
-            <a:r>
-              <a:rPr lang="en-US" dirty="0">
-                <a:solidFill>
-                  <a:srgbClr val="92D050"/>
-                </a:solidFill>
-              </a:rPr>
-              <a:t>main package </a:t>
-            </a:r>
+              <a:t>Enables Component Scan</a:t>
+            </a:r>
+          </a:p>
+          <a:p>
             <a:r>
               <a:rPr lang="en-US" dirty="0"/>
-              <a:t>and all </a:t>
-            </a:r>
-            <a:r>
-              <a:rPr lang="en-US" dirty="0" err="1"/>
-              <a:t>subpackages</a:t>
-            </a:r>
-            <a:endParaRPr lang="en-US" dirty="0"/>
-          </a:p>
-          <a:p>
-            <a:pPr>
-              <a:spcBef>
-                <a:spcPts val="1800"/>
-              </a:spcBef>
-            </a:pPr>
-            <a:r>
-              <a:rPr lang="en-US" dirty="0"/>
-              <a:t>Determines if Spring should manage the class</a:t>
-            </a:r>
-          </a:p>
-          <a:p>
-            <a:pPr lvl="1">
-              <a:spcBef>
-                <a:spcPts val="1000"/>
-              </a:spcBef>
-            </a:pPr>
-            <a:r>
-              <a:rPr lang="en-US" dirty="0"/>
-              <a:t>Called a "managed Bean" or </a:t>
-            </a:r>
-            <a:r>
-              <a:rPr lang="en-US" dirty="0">
-                <a:solidFill>
-                  <a:srgbClr val="FFC000"/>
-                </a:solidFill>
-              </a:rPr>
-              <a:t>Bean</a:t>
-            </a:r>
-          </a:p>
-          <a:p>
-            <a:pPr lvl="1">
-              <a:spcBef>
-                <a:spcPts val="1000"/>
-              </a:spcBef>
-            </a:pPr>
-            <a:r>
-              <a:rPr lang="en-US" dirty="0"/>
-              <a:t>Spring creates a </a:t>
-            </a:r>
-            <a:r>
-              <a:rPr lang="en-US" dirty="0">
-                <a:solidFill>
-                  <a:srgbClr val="92D050"/>
-                </a:solidFill>
-              </a:rPr>
-              <a:t>single</a:t>
-            </a:r>
-            <a:r>
-              <a:rPr lang="en-US" dirty="0"/>
-              <a:t> instance</a:t>
-            </a:r>
-          </a:p>
-          <a:p>
-            <a:pPr lvl="1">
-              <a:spcBef>
-                <a:spcPts val="1000"/>
-              </a:spcBef>
-            </a:pPr>
-            <a:r>
-              <a:rPr lang="en-US" dirty="0"/>
-              <a:t>Stashes it in an object </a:t>
-            </a:r>
-            <a:r>
-              <a:rPr lang="en-US" dirty="0">
-                <a:solidFill>
-                  <a:srgbClr val="00B0F0"/>
-                </a:solidFill>
-              </a:rPr>
-              <a:t>repository</a:t>
-            </a:r>
-          </a:p>
-          <a:p>
-            <a:pPr lvl="1">
-              <a:spcBef>
-                <a:spcPts val="1000"/>
-              </a:spcBef>
-            </a:pPr>
-            <a:r>
-              <a:rPr lang="en-US" dirty="0"/>
-              <a:t>We can request an instance using </a:t>
-            </a:r>
-            <a:r>
-              <a:rPr lang="en-US" dirty="0">
-                <a:solidFill>
-                  <a:srgbClr val="00B0F0"/>
-                </a:solidFill>
-              </a:rPr>
-              <a:t>@Autowired</a:t>
+              <a:t>Enables Auto-configuration</a:t>
             </a:r>
           </a:p>
         </p:txBody>
@@ -4139,7 +4577,7 @@
     </p:spTree>
     <p:extLst>
       <p:ext uri="{BB962C8B-B14F-4D97-AF65-F5344CB8AC3E}">
-        <p14:creationId xmlns:p14="http://schemas.microsoft.com/office/powerpoint/2010/main" val="3081706336"/>
+        <p14:creationId xmlns:p14="http://schemas.microsoft.com/office/powerpoint/2010/main" val="1805647572"/>
       </p:ext>
     </p:extLst>
   </p:cSld>
@@ -4183,7 +4621,7 @@
           <p:cNvPr id="2" name="Title 1">
             <a:extLst>
               <a:ext uri="{FF2B5EF4-FFF2-40B4-BE49-F238E27FC236}">
-                <a16:creationId xmlns:a16="http://schemas.microsoft.com/office/drawing/2014/main" id="{AA42C541-02B2-C3B2-3CB6-868B284278E2}"/>
+                <a16:creationId xmlns:a16="http://schemas.microsoft.com/office/drawing/2014/main" id="{7D634871-1B2C-C101-A91E-2FE2BFB3508B}"/>
               </a:ext>
             </a:extLst>
           </p:cNvPr>
@@ -4211,7 +4649,7 @@
           <p:cNvPr id="3" name="Content Placeholder 2">
             <a:extLst>
               <a:ext uri="{FF2B5EF4-FFF2-40B4-BE49-F238E27FC236}">
-                <a16:creationId xmlns:a16="http://schemas.microsoft.com/office/drawing/2014/main" id="{87FB3529-F7BD-77CC-A07E-2EEBA7745FE9}"/>
+                <a16:creationId xmlns:a16="http://schemas.microsoft.com/office/drawing/2014/main" id="{0C94F192-9B8A-C084-7867-4F08E0420D9B}"/>
               </a:ext>
             </a:extLst>
           </p:cNvPr>
@@ -4225,18 +4663,102 @@
         <p:spPr>
           <a:xfrm>
             <a:off x="838200" y="1825625"/>
-            <a:ext cx="5535304" cy="4351338"/>
+            <a:ext cx="6176749" cy="4351338"/>
           </a:xfrm>
         </p:spPr>
         <p:txBody>
-          <a:bodyPr>
-            <a:normAutofit lnSpcReduction="10000"/>
-          </a:bodyPr>
-          <a:lstStyle/>
-          <a:p>
+          <a:bodyPr/>
+          <a:lstStyle/>
+          <a:p>
+            <a:pPr>
+              <a:spcBef>
+                <a:spcPts val="1800"/>
+              </a:spcBef>
+            </a:pPr>
             <a:r>
               <a:rPr lang="en-US" dirty="0"/>
-              <a:t>We will write a </a:t>
+              <a:t>Boot looks at every class in the </a:t>
+            </a:r>
+            <a:r>
+              <a:rPr lang="en-US" dirty="0">
+                <a:solidFill>
+                  <a:srgbClr val="92D050"/>
+                </a:solidFill>
+              </a:rPr>
+              <a:t>main package </a:t>
+            </a:r>
+            <a:r>
+              <a:rPr lang="en-US" dirty="0"/>
+              <a:t>and all </a:t>
+            </a:r>
+            <a:r>
+              <a:rPr lang="en-US" dirty="0" err="1"/>
+              <a:t>subpackages</a:t>
+            </a:r>
+            <a:endParaRPr lang="en-US" dirty="0"/>
+          </a:p>
+          <a:p>
+            <a:pPr>
+              <a:spcBef>
+                <a:spcPts val="1800"/>
+              </a:spcBef>
+            </a:pPr>
+            <a:r>
+              <a:rPr lang="en-US" dirty="0"/>
+              <a:t>Determines if Spring should manage the class</a:t>
+            </a:r>
+          </a:p>
+          <a:p>
+            <a:pPr lvl="1">
+              <a:spcBef>
+                <a:spcPts val="1000"/>
+              </a:spcBef>
+            </a:pPr>
+            <a:r>
+              <a:rPr lang="en-US" dirty="0"/>
+              <a:t>Called a "managed Bean" or </a:t>
+            </a:r>
+            <a:r>
+              <a:rPr lang="en-US" dirty="0">
+                <a:solidFill>
+                  <a:srgbClr val="FFC000"/>
+                </a:solidFill>
+              </a:rPr>
+              <a:t>Bean</a:t>
+            </a:r>
+          </a:p>
+          <a:p>
+            <a:pPr lvl="1">
+              <a:spcBef>
+                <a:spcPts val="1000"/>
+              </a:spcBef>
+            </a:pPr>
+            <a:r>
+              <a:rPr lang="en-US" dirty="0"/>
+              <a:t>Spring creates a </a:t>
+            </a:r>
+            <a:r>
+              <a:rPr lang="en-US" dirty="0">
+                <a:solidFill>
+                  <a:srgbClr val="92D050"/>
+                </a:solidFill>
+              </a:rPr>
+              <a:t>single</a:t>
+            </a:r>
+            <a:r>
+              <a:rPr lang="en-US" dirty="0"/>
+              <a:t> instance</a:t>
+            </a:r>
+          </a:p>
+          <a:p>
+            <a:pPr lvl="1">
+              <a:spcBef>
+                <a:spcPts val="1000"/>
+              </a:spcBef>
+            </a:pPr>
+            <a:r>
+              <a:rPr lang="en-US" dirty="0"/>
+              <a:t>Stashes it in an object </a:t>
             </a:r>
             <a:r>
               <a:rPr lang="en-US" dirty="0">
@@ -4244,53 +4766,18 @@
                   <a:srgbClr val="00B0F0"/>
                 </a:solidFill>
               </a:rPr>
-              <a:t>controller</a:t>
-            </a:r>
+              <a:t>repository</a:t>
+            </a:r>
+          </a:p>
+          <a:p>
+            <a:pPr lvl="1">
+              <a:spcBef>
+                <a:spcPts val="1000"/>
+              </a:spcBef>
+            </a:pPr>
             <a:r>
               <a:rPr lang="en-US" dirty="0"/>
-              <a:t> class</a:t>
-            </a:r>
-          </a:p>
-          <a:p>
-            <a:r>
-              <a:rPr lang="en-US" dirty="0"/>
-              <a:t>Spring's component scan will </a:t>
-            </a:r>
-            <a:r>
-              <a:rPr lang="en-US" dirty="0">
-                <a:solidFill>
-                  <a:srgbClr val="00B050"/>
-                </a:solidFill>
-              </a:rPr>
-              <a:t>map</a:t>
-            </a:r>
-            <a:r>
-              <a:rPr lang="en-US" dirty="0"/>
-              <a:t> HTTP requests to methods that we write</a:t>
-            </a:r>
-          </a:p>
-          <a:p>
-            <a:r>
-              <a:rPr lang="en-US" dirty="0"/>
-              <a:t>We use annotations to tell Spring which HTTP </a:t>
-            </a:r>
-            <a:r>
-              <a:rPr lang="en-US" dirty="0">
-                <a:solidFill>
-                  <a:srgbClr val="FFC000"/>
-                </a:solidFill>
-              </a:rPr>
-              <a:t>verb</a:t>
-            </a:r>
-            <a:r>
-              <a:rPr lang="en-US" dirty="0"/>
-              <a:t> to map to the method</a:t>
-            </a:r>
-          </a:p>
-          <a:p>
-            <a:r>
-              <a:rPr lang="en-US" dirty="0"/>
-              <a:t>These terms will be </a:t>
+              <a:t>We can request an instance using </a:t>
             </a:r>
             <a:r>
               <a:rPr lang="en-US" dirty="0">
@@ -4298,29 +4785,7 @@
                   <a:srgbClr val="00B0F0"/>
                 </a:solidFill>
               </a:rPr>
-              <a:t>explained</a:t>
-            </a:r>
-            <a:r>
-              <a:rPr lang="en-US" dirty="0"/>
-              <a:t> later</a:t>
-            </a:r>
-          </a:p>
-          <a:p>
-            <a:r>
-              <a:rPr lang="en-US" dirty="0"/>
-              <a:t>Just know that Internet requests can be mapped to </a:t>
-            </a:r>
-            <a:r>
-              <a:rPr lang="en-US" dirty="0">
-                <a:solidFill>
-                  <a:srgbClr val="00B050"/>
-                </a:solidFill>
-              </a:rPr>
-              <a:t>Java</a:t>
-            </a:r>
-            <a:r>
-              <a:rPr lang="en-US" dirty="0"/>
-              <a:t> methods</a:t>
+              <a:t>@Autowired</a:t>
             </a:r>
           </a:p>
         </p:txBody>
@@ -4328,7 +4793,7 @@
     </p:spTree>
     <p:extLst>
       <p:ext uri="{BB962C8B-B14F-4D97-AF65-F5344CB8AC3E}">
-        <p14:creationId xmlns:p14="http://schemas.microsoft.com/office/powerpoint/2010/main" val="1174064184"/>
+        <p14:creationId xmlns:p14="http://schemas.microsoft.com/office/powerpoint/2010/main" val="3081706336"/>
       </p:ext>
     </p:extLst>
   </p:cSld>
@@ -4372,7 +4837,7 @@
           <p:cNvPr id="2" name="Title 1">
             <a:extLst>
               <a:ext uri="{FF2B5EF4-FFF2-40B4-BE49-F238E27FC236}">
-                <a16:creationId xmlns:a16="http://schemas.microsoft.com/office/drawing/2014/main" id="{6536808F-D9B6-9B17-247F-8F03DB3ED47B}"/>
+                <a16:creationId xmlns:a16="http://schemas.microsoft.com/office/drawing/2014/main" id="{AA42C541-02B2-C3B2-3CB6-868B284278E2}"/>
               </a:ext>
             </a:extLst>
           </p:cNvPr>
@@ -4390,7 +4855,7 @@
           <a:p>
             <a:r>
               <a:rPr lang="en-US" dirty="0"/>
-              <a:t>Auto-configuration</a:t>
+              <a:t>Component scan</a:t>
             </a:r>
           </a:p>
         </p:txBody>
@@ -4400,7 +4865,7 @@
           <p:cNvPr id="3" name="Content Placeholder 2">
             <a:extLst>
               <a:ext uri="{FF2B5EF4-FFF2-40B4-BE49-F238E27FC236}">
-                <a16:creationId xmlns:a16="http://schemas.microsoft.com/office/drawing/2014/main" id="{507A6F65-A5B0-A6A9-8135-22B1854724A9}"/>
+                <a16:creationId xmlns:a16="http://schemas.microsoft.com/office/drawing/2014/main" id="{87FB3529-F7BD-77CC-A07E-2EEBA7745FE9}"/>
               </a:ext>
             </a:extLst>
           </p:cNvPr>
@@ -4414,67 +4879,36 @@
         <p:spPr>
           <a:xfrm>
             <a:off x="838200" y="1825625"/>
-            <a:ext cx="6081215" cy="4351338"/>
+            <a:ext cx="5535304" cy="4351338"/>
           </a:xfrm>
         </p:spPr>
         <p:txBody>
-          <a:bodyPr/>
-          <a:lstStyle/>
-          <a:p>
-            <a:pPr>
-              <a:spcBef>
-                <a:spcPts val="1800"/>
-              </a:spcBef>
-            </a:pPr>
+          <a:bodyPr>
+            <a:normAutofit lnSpcReduction="10000"/>
+          </a:bodyPr>
+          <a:lstStyle/>
+          <a:p>
             <a:r>
               <a:rPr lang="en-US" dirty="0"/>
-              <a:t>Spring Boot examines the </a:t>
-            </a:r>
-            <a:r>
-              <a:rPr lang="en-US" dirty="0" err="1">
+              <a:t>We will write a </a:t>
+            </a:r>
+            <a:r>
+              <a:rPr lang="en-US" dirty="0">
                 <a:solidFill>
-                  <a:srgbClr val="FFC000"/>
+                  <a:srgbClr val="00B0F0"/>
                 </a:solidFill>
               </a:rPr>
-              <a:t>classpath</a:t>
+              <a:t>controller</a:t>
             </a:r>
             <a:r>
               <a:rPr lang="en-US" dirty="0"/>
-              <a:t> and the application configuration</a:t>
-            </a:r>
-          </a:p>
-          <a:p>
-            <a:pPr>
-              <a:spcBef>
-                <a:spcPts val="1800"/>
-              </a:spcBef>
-            </a:pPr>
+              <a:t> class</a:t>
+            </a:r>
+          </a:p>
+          <a:p>
             <a:r>
               <a:rPr lang="en-US" dirty="0"/>
-              <a:t>It sets up </a:t>
-            </a:r>
-            <a:r>
-              <a:rPr lang="en-US" dirty="0">
-                <a:solidFill>
-                  <a:srgbClr val="FFFF00"/>
-                </a:solidFill>
-              </a:rPr>
-              <a:t>functionality</a:t>
-            </a:r>
-            <a:r>
-              <a:rPr lang="en-US" dirty="0"/>
-              <a:t> (i.e., Web application) based on what it finds</a:t>
-            </a:r>
-          </a:p>
-          <a:p>
-            <a:pPr>
-              <a:spcBef>
-                <a:spcPts val="1800"/>
-              </a:spcBef>
-            </a:pPr>
-            <a:r>
-              <a:rPr lang="en-US" dirty="0"/>
-              <a:t>Spring creates a Web application if it finds the </a:t>
+              <a:t>Spring's component scan will </a:t>
             </a:r>
             <a:r>
               <a:rPr lang="en-US" dirty="0">
@@ -4482,22 +4916,35 @@
                   <a:srgbClr val="00B050"/>
                 </a:solidFill>
               </a:rPr>
-              <a:t>Tomcat</a:t>
+              <a:t>map</a:t>
             </a:r>
             <a:r>
               <a:rPr lang="en-US" dirty="0"/>
-              <a:t> dependency</a:t>
-            </a:r>
-          </a:p>
-          <a:p>
-            <a:pPr>
-              <a:spcBef>
-                <a:spcPts val="1800"/>
-              </a:spcBef>
-            </a:pPr>
+              <a:t> HTTP requests to methods that we write</a:t>
+            </a:r>
+          </a:p>
+          <a:p>
             <a:r>
               <a:rPr lang="en-US" dirty="0"/>
-              <a:t>Tomcat is loaded by </a:t>
+              <a:t>We use annotations to tell Spring which HTTP </a:t>
+            </a:r>
+            <a:r>
+              <a:rPr lang="en-US" dirty="0">
+                <a:solidFill>
+                  <a:srgbClr val="FFC000"/>
+                </a:solidFill>
+              </a:rPr>
+              <a:t>verb</a:t>
+            </a:r>
+            <a:r>
+              <a:rPr lang="en-US" dirty="0"/>
+              <a:t> to map to the method</a:t>
+            </a:r>
+          </a:p>
+          <a:p>
+            <a:r>
+              <a:rPr lang="en-US" dirty="0"/>
+              <a:t>These terms will be </a:t>
             </a:r>
             <a:r>
               <a:rPr lang="en-US" dirty="0">
@@ -4505,7 +4952,29 @@
                   <a:srgbClr val="00B0F0"/>
                 </a:solidFill>
               </a:rPr>
-              <a:t>spring-boot-starter-web</a:t>
+              <a:t>explained</a:t>
+            </a:r>
+            <a:r>
+              <a:rPr lang="en-US" dirty="0"/>
+              <a:t> later</a:t>
+            </a:r>
+          </a:p>
+          <a:p>
+            <a:r>
+              <a:rPr lang="en-US" dirty="0"/>
+              <a:t>Just know that Internet requests can be mapped to </a:t>
+            </a:r>
+            <a:r>
+              <a:rPr lang="en-US" dirty="0">
+                <a:solidFill>
+                  <a:srgbClr val="00B050"/>
+                </a:solidFill>
+              </a:rPr>
+              <a:t>Java</a:t>
+            </a:r>
+            <a:r>
+              <a:rPr lang="en-US" dirty="0"/>
+              <a:t> methods</a:t>
             </a:r>
           </a:p>
         </p:txBody>
@@ -4513,7 +4982,7 @@
     </p:spTree>
     <p:extLst>
       <p:ext uri="{BB962C8B-B14F-4D97-AF65-F5344CB8AC3E}">
-        <p14:creationId xmlns:p14="http://schemas.microsoft.com/office/powerpoint/2010/main" val="3780534247"/>
+        <p14:creationId xmlns:p14="http://schemas.microsoft.com/office/powerpoint/2010/main" val="1174064184"/>
       </p:ext>
     </p:extLst>
   </p:cSld>

--- a/Week13/02 Pet Park - Create Maven Project.pptx
+++ b/Week13/02 Pet Park - Create Maven Project.pptx
@@ -187,6 +187,105 @@
       </pc:sldChg>
     </pc:docChg>
   </pc:docChgLst>
+  <pc:docChgLst>
+    <pc:chgData name="Chuck Kiefriter" userId="a996b49251c4dfd2" providerId="LiveId" clId="{3D2D7FFF-D7BA-4E05-A7E1-A15724A34C23}"/>
+    <pc:docChg chg="custSel modSld">
+      <pc:chgData name="Chuck Kiefriter" userId="a996b49251c4dfd2" providerId="LiveId" clId="{3D2D7FFF-D7BA-4E05-A7E1-A15724A34C23}" dt="2024-05-01T23:38:37.724" v="8" actId="14100"/>
+      <pc:docMkLst>
+        <pc:docMk/>
+      </pc:docMkLst>
+      <pc:sldChg chg="modSp mod">
+        <pc:chgData name="Chuck Kiefriter" userId="a996b49251c4dfd2" providerId="LiveId" clId="{3D2D7FFF-D7BA-4E05-A7E1-A15724A34C23}" dt="2024-05-01T23:11:16.612" v="0" actId="14100"/>
+        <pc:sldMkLst>
+          <pc:docMk/>
+          <pc:sldMk cId="3227297430" sldId="257"/>
+        </pc:sldMkLst>
+        <pc:spChg chg="mod">
+          <ac:chgData name="Chuck Kiefriter" userId="a996b49251c4dfd2" providerId="LiveId" clId="{3D2D7FFF-D7BA-4E05-A7E1-A15724A34C23}" dt="2024-05-01T23:11:16.612" v="0" actId="14100"/>
+          <ac:spMkLst>
+            <pc:docMk/>
+            <pc:sldMk cId="3227297430" sldId="257"/>
+            <ac:spMk id="3" creationId="{4CB3B6A7-598D-0FE7-21DD-52CB927CE94D}"/>
+          </ac:spMkLst>
+        </pc:spChg>
+      </pc:sldChg>
+      <pc:sldChg chg="modSp mod">
+        <pc:chgData name="Chuck Kiefriter" userId="a996b49251c4dfd2" providerId="LiveId" clId="{3D2D7FFF-D7BA-4E05-A7E1-A15724A34C23}" dt="2024-05-01T23:11:27.275" v="1" actId="14100"/>
+        <pc:sldMkLst>
+          <pc:docMk/>
+          <pc:sldMk cId="2178726165" sldId="258"/>
+        </pc:sldMkLst>
+        <pc:spChg chg="mod">
+          <ac:chgData name="Chuck Kiefriter" userId="a996b49251c4dfd2" providerId="LiveId" clId="{3D2D7FFF-D7BA-4E05-A7E1-A15724A34C23}" dt="2024-05-01T23:11:27.275" v="1" actId="14100"/>
+          <ac:spMkLst>
+            <pc:docMk/>
+            <pc:sldMk cId="2178726165" sldId="258"/>
+            <ac:spMk id="3" creationId="{8828FFED-85C5-5CDE-D58C-B78396C98A53}"/>
+          </ac:spMkLst>
+        </pc:spChg>
+      </pc:sldChg>
+      <pc:sldChg chg="modSp mod">
+        <pc:chgData name="Chuck Kiefriter" userId="a996b49251c4dfd2" providerId="LiveId" clId="{3D2D7FFF-D7BA-4E05-A7E1-A15724A34C23}" dt="2024-05-01T23:11:45.033" v="4" actId="20577"/>
+        <pc:sldMkLst>
+          <pc:docMk/>
+          <pc:sldMk cId="3333207282" sldId="259"/>
+        </pc:sldMkLst>
+        <pc:spChg chg="mod">
+          <ac:chgData name="Chuck Kiefriter" userId="a996b49251c4dfd2" providerId="LiveId" clId="{3D2D7FFF-D7BA-4E05-A7E1-A15724A34C23}" dt="2024-05-01T23:11:45.033" v="4" actId="20577"/>
+          <ac:spMkLst>
+            <pc:docMk/>
+            <pc:sldMk cId="3333207282" sldId="259"/>
+            <ac:spMk id="3" creationId="{F0A1C09A-C342-2557-9116-BA6887457393}"/>
+          </ac:spMkLst>
+        </pc:spChg>
+      </pc:sldChg>
+      <pc:sldChg chg="modSp mod">
+        <pc:chgData name="Chuck Kiefriter" userId="a996b49251c4dfd2" providerId="LiveId" clId="{3D2D7FFF-D7BA-4E05-A7E1-A15724A34C23}" dt="2024-05-01T23:37:40.395" v="5" actId="14100"/>
+        <pc:sldMkLst>
+          <pc:docMk/>
+          <pc:sldMk cId="3081706336" sldId="263"/>
+        </pc:sldMkLst>
+        <pc:spChg chg="mod">
+          <ac:chgData name="Chuck Kiefriter" userId="a996b49251c4dfd2" providerId="LiveId" clId="{3D2D7FFF-D7BA-4E05-A7E1-A15724A34C23}" dt="2024-05-01T23:37:40.395" v="5" actId="14100"/>
+          <ac:spMkLst>
+            <pc:docMk/>
+            <pc:sldMk cId="3081706336" sldId="263"/>
+            <ac:spMk id="3" creationId="{0C94F192-9B8A-C084-7867-4F08E0420D9B}"/>
+          </ac:spMkLst>
+        </pc:spChg>
+      </pc:sldChg>
+      <pc:sldChg chg="modSp mod">
+        <pc:chgData name="Chuck Kiefriter" userId="a996b49251c4dfd2" providerId="LiveId" clId="{3D2D7FFF-D7BA-4E05-A7E1-A15724A34C23}" dt="2024-05-01T23:38:37.724" v="8" actId="14100"/>
+        <pc:sldMkLst>
+          <pc:docMk/>
+          <pc:sldMk cId="3780534247" sldId="264"/>
+        </pc:sldMkLst>
+        <pc:spChg chg="mod">
+          <ac:chgData name="Chuck Kiefriter" userId="a996b49251c4dfd2" providerId="LiveId" clId="{3D2D7FFF-D7BA-4E05-A7E1-A15724A34C23}" dt="2024-05-01T23:38:37.724" v="8" actId="14100"/>
+          <ac:spMkLst>
+            <pc:docMk/>
+            <pc:sldMk cId="3780534247" sldId="264"/>
+            <ac:spMk id="3" creationId="{507A6F65-A5B0-A6A9-8135-22B1854724A9}"/>
+          </ac:spMkLst>
+        </pc:spChg>
+      </pc:sldChg>
+      <pc:sldChg chg="modSp mod">
+        <pc:chgData name="Chuck Kiefriter" userId="a996b49251c4dfd2" providerId="LiveId" clId="{3D2D7FFF-D7BA-4E05-A7E1-A15724A34C23}" dt="2024-05-01T23:38:05.046" v="7" actId="27636"/>
+        <pc:sldMkLst>
+          <pc:docMk/>
+          <pc:sldMk cId="1174064184" sldId="265"/>
+        </pc:sldMkLst>
+        <pc:spChg chg="mod">
+          <ac:chgData name="Chuck Kiefriter" userId="a996b49251c4dfd2" providerId="LiveId" clId="{3D2D7FFF-D7BA-4E05-A7E1-A15724A34C23}" dt="2024-05-01T23:38:05.046" v="7" actId="27636"/>
+          <ac:spMkLst>
+            <pc:docMk/>
+            <pc:sldMk cId="1174064184" sldId="265"/>
+            <ac:spMk id="3" creationId="{87FB3529-F7BD-77CC-A07E-2EEBA7745FE9}"/>
+          </ac:spMkLst>
+        </pc:spChg>
+      </pc:sldChg>
+    </pc:docChg>
+  </pc:docChgLst>
 </pc:chgInfo>
 </file>
 
@@ -321,7 +420,7 @@
           <a:p>
             <a:fld id="{0C080245-79E0-4F3D-AA3E-A557DEFF02F7}" type="datetimeFigureOut">
               <a:rPr lang="en-US" smtClean="0"/>
-              <a:t>11/27/2023</a:t>
+              <a:t>5/1/2024</a:t>
             </a:fld>
             <a:endParaRPr lang="en-US"/>
           </a:p>
@@ -491,7 +590,7 @@
           <a:p>
             <a:fld id="{0C080245-79E0-4F3D-AA3E-A557DEFF02F7}" type="datetimeFigureOut">
               <a:rPr lang="en-US" smtClean="0"/>
-              <a:t>11/27/2023</a:t>
+              <a:t>5/1/2024</a:t>
             </a:fld>
             <a:endParaRPr lang="en-US"/>
           </a:p>
@@ -671,7 +770,7 @@
           <a:p>
             <a:fld id="{0C080245-79E0-4F3D-AA3E-A557DEFF02F7}" type="datetimeFigureOut">
               <a:rPr lang="en-US" smtClean="0"/>
-              <a:t>11/27/2023</a:t>
+              <a:t>5/1/2024</a:t>
             </a:fld>
             <a:endParaRPr lang="en-US"/>
           </a:p>
@@ -841,7 +940,7 @@
           <a:p>
             <a:fld id="{0C080245-79E0-4F3D-AA3E-A557DEFF02F7}" type="datetimeFigureOut">
               <a:rPr lang="en-US" smtClean="0"/>
-              <a:t>11/27/2023</a:t>
+              <a:t>5/1/2024</a:t>
             </a:fld>
             <a:endParaRPr lang="en-US"/>
           </a:p>
@@ -1087,7 +1186,7 @@
           <a:p>
             <a:fld id="{0C080245-79E0-4F3D-AA3E-A557DEFF02F7}" type="datetimeFigureOut">
               <a:rPr lang="en-US" smtClean="0"/>
-              <a:t>11/27/2023</a:t>
+              <a:t>5/1/2024</a:t>
             </a:fld>
             <a:endParaRPr lang="en-US"/>
           </a:p>
@@ -1319,7 +1418,7 @@
           <a:p>
             <a:fld id="{0C080245-79E0-4F3D-AA3E-A557DEFF02F7}" type="datetimeFigureOut">
               <a:rPr lang="en-US" smtClean="0"/>
-              <a:t>11/27/2023</a:t>
+              <a:t>5/1/2024</a:t>
             </a:fld>
             <a:endParaRPr lang="en-US"/>
           </a:p>
@@ -1686,7 +1785,7 @@
           <a:p>
             <a:fld id="{0C080245-79E0-4F3D-AA3E-A557DEFF02F7}" type="datetimeFigureOut">
               <a:rPr lang="en-US" smtClean="0"/>
-              <a:t>11/27/2023</a:t>
+              <a:t>5/1/2024</a:t>
             </a:fld>
             <a:endParaRPr lang="en-US"/>
           </a:p>
@@ -1804,7 +1903,7 @@
           <a:p>
             <a:fld id="{0C080245-79E0-4F3D-AA3E-A557DEFF02F7}" type="datetimeFigureOut">
               <a:rPr lang="en-US" smtClean="0"/>
-              <a:t>11/27/2023</a:t>
+              <a:t>5/1/2024</a:t>
             </a:fld>
             <a:endParaRPr lang="en-US"/>
           </a:p>
@@ -1899,7 +1998,7 @@
           <a:p>
             <a:fld id="{0C080245-79E0-4F3D-AA3E-A557DEFF02F7}" type="datetimeFigureOut">
               <a:rPr lang="en-US" smtClean="0"/>
-              <a:t>11/27/2023</a:t>
+              <a:t>5/1/2024</a:t>
             </a:fld>
             <a:endParaRPr lang="en-US"/>
           </a:p>
@@ -2176,7 +2275,7 @@
           <a:p>
             <a:fld id="{0C080245-79E0-4F3D-AA3E-A557DEFF02F7}" type="datetimeFigureOut">
               <a:rPr lang="en-US" smtClean="0"/>
-              <a:t>11/27/2023</a:t>
+              <a:t>5/1/2024</a:t>
             </a:fld>
             <a:endParaRPr lang="en-US"/>
           </a:p>
@@ -2433,7 +2532,7 @@
           <a:p>
             <a:fld id="{0C080245-79E0-4F3D-AA3E-A557DEFF02F7}" type="datetimeFigureOut">
               <a:rPr lang="en-US" smtClean="0"/>
-              <a:t>11/27/2023</a:t>
+              <a:t>5/1/2024</a:t>
             </a:fld>
             <a:endParaRPr lang="en-US"/>
           </a:p>
@@ -2646,7 +2745,7 @@
           <a:p>
             <a:fld id="{0C080245-79E0-4F3D-AA3E-A557DEFF02F7}" type="datetimeFigureOut">
               <a:rPr lang="en-US" smtClean="0"/>
-              <a:t>11/27/2023</a:t>
+              <a:t>5/1/2024</a:t>
             </a:fld>
             <a:endParaRPr lang="en-US"/>
           </a:p>
@@ -3194,7 +3293,7 @@
         <p:spPr>
           <a:xfrm>
             <a:off x="838200" y="1825625"/>
-            <a:ext cx="6081215" cy="4351338"/>
+            <a:ext cx="10948416" cy="4351338"/>
           </a:xfrm>
         </p:spPr>
         <p:txBody>
@@ -3449,7 +3548,7 @@
         <p:spPr>
           <a:xfrm>
             <a:off x="838200" y="1825625"/>
-            <a:ext cx="5257800" cy="4351338"/>
+            <a:ext cx="10646664" cy="4351338"/>
           </a:xfrm>
         </p:spPr>
         <p:txBody>
@@ -3596,7 +3695,7 @@
         <p:spPr>
           <a:xfrm>
             <a:off x="838200" y="1825625"/>
-            <a:ext cx="5257800" cy="4351338"/>
+            <a:ext cx="11353800" cy="4351338"/>
           </a:xfrm>
         </p:spPr>
         <p:txBody>
@@ -3735,7 +3834,7 @@
         <p:spPr>
           <a:xfrm>
             <a:off x="838200" y="1825625"/>
-            <a:ext cx="5791200" cy="4351338"/>
+            <a:ext cx="11497056" cy="4351338"/>
           </a:xfrm>
         </p:spPr>
         <p:txBody>
@@ -3752,7 +3851,7 @@
                   <a:schemeClr val="accent4"/>
                 </a:solidFill>
               </a:rPr>
-              <a:t>https://start. spring. io</a:t>
+              <a:t>https://start.spring.io</a:t>
             </a:r>
           </a:p>
           <a:p>
@@ -4663,7 +4762,7 @@
         <p:spPr>
           <a:xfrm>
             <a:off x="838200" y="1825625"/>
-            <a:ext cx="6176749" cy="4351338"/>
+            <a:ext cx="11259312" cy="4351338"/>
           </a:xfrm>
         </p:spPr>
         <p:txBody>
@@ -4879,12 +4978,12 @@
         <p:spPr>
           <a:xfrm>
             <a:off x="838200" y="1825625"/>
-            <a:ext cx="5535304" cy="4351338"/>
+            <a:ext cx="11597640" cy="4351338"/>
           </a:xfrm>
         </p:spPr>
         <p:txBody>
           <a:bodyPr>
-            <a:normAutofit lnSpcReduction="10000"/>
+            <a:normAutofit/>
           </a:bodyPr>
           <a:lstStyle/>
           <a:p>
